--- a/小组会议20181113.pptx
+++ b/小组会议20181113.pptx
@@ -226,7 +226,7 @@
           <a:p>
             <a:fld id="{E86D8963-CFCD-4740-AF60-049850373CDF}" type="datetimeFigureOut">
               <a:rPr lang="zh-CN" altLang="en-US" smtClean="0"/>
-              <a:t>2018/11/6</a:t>
+              <a:t>2018/11/13</a:t>
             </a:fld>
             <a:endParaRPr lang="zh-CN" altLang="en-US"/>
           </a:p>
@@ -1486,7 +1486,7 @@
             <a:fld id="{6489D9C7-5DC6-4263-87FF-7C99F6FB63C3}" type="datetime1">
               <a:rPr lang="zh-CN" altLang="en-US" smtClean="0"/>
               <a:pPr/>
-              <a:t>2018/11/6</a:t>
+              <a:t>2018/11/13</a:t>
             </a:fld>
             <a:endParaRPr lang="zh-CN" altLang="en-US"/>
           </a:p>
@@ -1632,7 +1632,7 @@
             <a:fld id="{6489D9C7-5DC6-4263-87FF-7C99F6FB63C3}" type="datetime1">
               <a:rPr lang="zh-CN" altLang="en-US" smtClean="0"/>
               <a:pPr/>
-              <a:t>2018/11/6</a:t>
+              <a:t>2018/11/13</a:t>
             </a:fld>
             <a:endParaRPr lang="zh-CN" altLang="en-US"/>
           </a:p>
@@ -2108,7 +2108,7 @@
             <a:fld id="{6489D9C7-5DC6-4263-87FF-7C99F6FB63C3}" type="datetime1">
               <a:rPr lang="zh-CN" altLang="en-US" smtClean="0"/>
               <a:pPr/>
-              <a:t>2018/11/6</a:t>
+              <a:t>2018/11/13</a:t>
             </a:fld>
             <a:endParaRPr lang="zh-CN" altLang="en-US"/>
           </a:p>
@@ -2688,7 +2688,7 @@
           <a:p>
             <a:r>
               <a:rPr lang="en-US" altLang="zh-CN" sz="2400" dirty="0"/>
-              <a:t>2018/11/06</a:t>
+              <a:t>2018/11/13</a:t>
             </a:r>
             <a:endParaRPr lang="en-US" altLang="en-US" sz="2400" dirty="0"/>
           </a:p>
